--- a/cenario03.pptx
+++ b/cenario03.pptx
@@ -202,7 +202,7 @@
             <a:fld id="{B86AB3BF-C06F-4CC6-8227-A6F742E3FD99}" type="datetimeFigureOut">
               <a:rPr lang="pt-BR" smtClean="0"/>
               <a:pPr/>
-              <a:t>12/12/2016</a:t>
+              <a:t>20/12/2016</a:t>
             </a:fld>
             <a:endParaRPr lang="pt-BR"/>
           </a:p>
@@ -550,6 +550,88 @@
 </p:notes>
 </file>
 
+<file path=ppt/notesSlides/notesSlide2.xml><?xml version="1.0" encoding="utf-8"?>
+<p:notes xmlns:a="http://schemas.openxmlformats.org/drawingml/2006/main" xmlns:r="http://schemas.openxmlformats.org/officeDocument/2006/relationships" xmlns:p="http://schemas.openxmlformats.org/presentationml/2006/main">
+  <p:cSld>
+    <p:spTree>
+      <p:nvGrpSpPr>
+        <p:cNvPr id="1" name=""/>
+        <p:cNvGrpSpPr/>
+        <p:nvPr/>
+      </p:nvGrpSpPr>
+      <p:grpSpPr>
+        <a:xfrm>
+          <a:off x="0" y="0"/>
+          <a:ext cx="0" cy="0"/>
+          <a:chOff x="0" y="0"/>
+          <a:chExt cx="0" cy="0"/>
+        </a:xfrm>
+      </p:grpSpPr>
+      <p:sp>
+        <p:nvSpPr>
+          <p:cNvPr id="2" name="Espaço Reservado para Imagem de Slide 1"/>
+          <p:cNvSpPr>
+            <a:spLocks noGrp="1" noRot="1" noChangeAspect="1"/>
+          </p:cNvSpPr>
+          <p:nvPr>
+            <p:ph type="sldImg"/>
+          </p:nvPr>
+        </p:nvSpPr>
+        <p:spPr/>
+      </p:sp>
+      <p:sp>
+        <p:nvSpPr>
+          <p:cNvPr id="3" name="Espaço Reservado para Anotações 2"/>
+          <p:cNvSpPr>
+            <a:spLocks noGrp="1"/>
+          </p:cNvSpPr>
+          <p:nvPr>
+            <p:ph type="body" idx="1"/>
+          </p:nvPr>
+        </p:nvSpPr>
+        <p:spPr/>
+        <p:txBody>
+          <a:bodyPr>
+            <a:normAutofit/>
+          </a:bodyPr>
+          <a:lstStyle/>
+          <a:p>
+            <a:endParaRPr lang="pt-BR" dirty="0"/>
+          </a:p>
+        </p:txBody>
+      </p:sp>
+      <p:sp>
+        <p:nvSpPr>
+          <p:cNvPr id="4" name="Espaço Reservado para Número de Slide 3"/>
+          <p:cNvSpPr>
+            <a:spLocks noGrp="1"/>
+          </p:cNvSpPr>
+          <p:nvPr>
+            <p:ph type="sldNum" sz="quarter" idx="10"/>
+          </p:nvPr>
+        </p:nvSpPr>
+        <p:spPr/>
+        <p:txBody>
+          <a:bodyPr/>
+          <a:lstStyle/>
+          <a:p>
+            <a:fld id="{B06656C4-E4F5-4ECC-81CD-05B7AC4CAFE3}" type="slidenum">
+              <a:rPr lang="pt-BR" smtClean="0"/>
+              <a:pPr/>
+              <a:t>8</a:t>
+            </a:fld>
+            <a:endParaRPr lang="pt-BR"/>
+          </a:p>
+        </p:txBody>
+      </p:sp>
+    </p:spTree>
+  </p:cSld>
+  <p:clrMapOvr>
+    <a:masterClrMapping/>
+  </p:clrMapOvr>
+</p:notes>
+</file>
+
 <file path=ppt/slideLayouts/slideLayout1.xml><?xml version="1.0" encoding="utf-8"?>
 <p:sldLayout xmlns:a="http://schemas.openxmlformats.org/drawingml/2006/main" xmlns:r="http://schemas.openxmlformats.org/officeDocument/2006/relationships" xmlns:p="http://schemas.openxmlformats.org/presentationml/2006/main" type="title" preserve="1">
   <p:cSld name="Slide de título">
@@ -732,7 +814,7 @@
             <a:fld id="{F2AFBC3A-A948-4A42-8B20-47BC0EA091C6}" type="datetimeFigureOut">
               <a:rPr lang="pt-BR" smtClean="0"/>
               <a:pPr/>
-              <a:t>12/12/2016</a:t>
+              <a:t>20/12/2016</a:t>
             </a:fld>
             <a:endParaRPr lang="pt-BR"/>
           </a:p>
@@ -899,7 +981,7 @@
             <a:fld id="{F2AFBC3A-A948-4A42-8B20-47BC0EA091C6}" type="datetimeFigureOut">
               <a:rPr lang="pt-BR" smtClean="0"/>
               <a:pPr/>
-              <a:t>12/12/2016</a:t>
+              <a:t>20/12/2016</a:t>
             </a:fld>
             <a:endParaRPr lang="pt-BR"/>
           </a:p>
@@ -1076,7 +1158,7 @@
             <a:fld id="{F2AFBC3A-A948-4A42-8B20-47BC0EA091C6}" type="datetimeFigureOut">
               <a:rPr lang="pt-BR" smtClean="0"/>
               <a:pPr/>
-              <a:t>12/12/2016</a:t>
+              <a:t>20/12/2016</a:t>
             </a:fld>
             <a:endParaRPr lang="pt-BR"/>
           </a:p>
@@ -1243,7 +1325,7 @@
             <a:fld id="{F2AFBC3A-A948-4A42-8B20-47BC0EA091C6}" type="datetimeFigureOut">
               <a:rPr lang="pt-BR" smtClean="0"/>
               <a:pPr/>
-              <a:t>12/12/2016</a:t>
+              <a:t>20/12/2016</a:t>
             </a:fld>
             <a:endParaRPr lang="pt-BR"/>
           </a:p>
@@ -1486,7 +1568,7 @@
             <a:fld id="{F2AFBC3A-A948-4A42-8B20-47BC0EA091C6}" type="datetimeFigureOut">
               <a:rPr lang="pt-BR" smtClean="0"/>
               <a:pPr/>
-              <a:t>12/12/2016</a:t>
+              <a:t>20/12/2016</a:t>
             </a:fld>
             <a:endParaRPr lang="pt-BR"/>
           </a:p>
@@ -1771,7 +1853,7 @@
             <a:fld id="{F2AFBC3A-A948-4A42-8B20-47BC0EA091C6}" type="datetimeFigureOut">
               <a:rPr lang="pt-BR" smtClean="0"/>
               <a:pPr/>
-              <a:t>12/12/2016</a:t>
+              <a:t>20/12/2016</a:t>
             </a:fld>
             <a:endParaRPr lang="pt-BR"/>
           </a:p>
@@ -2190,7 +2272,7 @@
             <a:fld id="{F2AFBC3A-A948-4A42-8B20-47BC0EA091C6}" type="datetimeFigureOut">
               <a:rPr lang="pt-BR" smtClean="0"/>
               <a:pPr/>
-              <a:t>12/12/2016</a:t>
+              <a:t>20/12/2016</a:t>
             </a:fld>
             <a:endParaRPr lang="pt-BR"/>
           </a:p>
@@ -2305,7 +2387,7 @@
             <a:fld id="{F2AFBC3A-A948-4A42-8B20-47BC0EA091C6}" type="datetimeFigureOut">
               <a:rPr lang="pt-BR" smtClean="0"/>
               <a:pPr/>
-              <a:t>12/12/2016</a:t>
+              <a:t>20/12/2016</a:t>
             </a:fld>
             <a:endParaRPr lang="pt-BR"/>
           </a:p>
@@ -2397,7 +2479,7 @@
             <a:fld id="{F2AFBC3A-A948-4A42-8B20-47BC0EA091C6}" type="datetimeFigureOut">
               <a:rPr lang="pt-BR" smtClean="0"/>
               <a:pPr/>
-              <a:t>12/12/2016</a:t>
+              <a:t>20/12/2016</a:t>
             </a:fld>
             <a:endParaRPr lang="pt-BR"/>
           </a:p>
@@ -2671,7 +2753,7 @@
             <a:fld id="{F2AFBC3A-A948-4A42-8B20-47BC0EA091C6}" type="datetimeFigureOut">
               <a:rPr lang="pt-BR" smtClean="0"/>
               <a:pPr/>
-              <a:t>12/12/2016</a:t>
+              <a:t>20/12/2016</a:t>
             </a:fld>
             <a:endParaRPr lang="pt-BR"/>
           </a:p>
@@ -2921,7 +3003,7 @@
             <a:fld id="{F2AFBC3A-A948-4A42-8B20-47BC0EA091C6}" type="datetimeFigureOut">
               <a:rPr lang="pt-BR" smtClean="0"/>
               <a:pPr/>
-              <a:t>12/12/2016</a:t>
+              <a:t>20/12/2016</a:t>
             </a:fld>
             <a:endParaRPr lang="pt-BR"/>
           </a:p>
@@ -3131,7 +3213,7 @@
             <a:fld id="{F2AFBC3A-A948-4A42-8B20-47BC0EA091C6}" type="datetimeFigureOut">
               <a:rPr lang="pt-BR" smtClean="0"/>
               <a:pPr/>
-              <a:t>12/12/2016</a:t>
+              <a:t>20/12/2016</a:t>
             </a:fld>
             <a:endParaRPr lang="pt-BR"/>
           </a:p>
@@ -3572,25 +3654,45 @@
           <a:p>
             <a:r>
               <a:rPr lang="pt-BR" dirty="0" smtClean="0"/>
-              <a:t>Grupo: Denise Cruz</a:t>
+              <a:t>Grupo: Denise Oliveira Cruz</a:t>
             </a:r>
           </a:p>
           <a:p>
             <a:r>
               <a:rPr lang="pt-BR" dirty="0" smtClean="0"/>
-              <a:t>André</a:t>
+              <a:t>André Pereira Teles</a:t>
             </a:r>
           </a:p>
           <a:p>
             <a:r>
               <a:rPr lang="pt-BR" dirty="0" smtClean="0"/>
-              <a:t>Cristiane</a:t>
+              <a:t>Cristiane R. </a:t>
+            </a:r>
+            <a:r>
+              <a:rPr lang="pt-BR" dirty="0" err="1" smtClean="0"/>
+              <a:t>Cirqueira</a:t>
+            </a:r>
+            <a:r>
+              <a:rPr lang="pt-BR" dirty="0" smtClean="0"/>
+              <a:t> Nogueira</a:t>
             </a:r>
           </a:p>
           <a:p>
             <a:r>
               <a:rPr lang="pt-BR" dirty="0" err="1" smtClean="0"/>
               <a:t>Starley</a:t>
+            </a:r>
+            <a:r>
+              <a:rPr lang="pt-BR" dirty="0" smtClean="0"/>
+              <a:t> </a:t>
+            </a:r>
+            <a:r>
+              <a:rPr lang="pt-BR" dirty="0" err="1" smtClean="0"/>
+              <a:t>Cazorla</a:t>
+            </a:r>
+            <a:r>
+              <a:rPr lang="pt-BR" dirty="0" smtClean="0"/>
+              <a:t> de Almeida</a:t>
             </a:r>
             <a:endParaRPr lang="pt-BR" dirty="0"/>
           </a:p>
@@ -3601,6 +3703,13 @@
   <p:clrMapOvr>
     <a:masterClrMapping/>
   </p:clrMapOvr>
+  <p:timing>
+    <p:tnLst>
+      <p:par>
+        <p:cTn id="1" dur="indefinite" restart="never" nodeType="tmRoot"/>
+      </p:par>
+    </p:tnLst>
+  </p:timing>
 </p:sld>
 </file>
 
@@ -3699,6 +3808,9 @@
           </a:bodyPr>
           <a:lstStyle/>
           <a:p>
+            <a:pPr>
+              <a:buNone/>
+            </a:pPr>
             <a:r>
               <a:rPr lang="pt-BR" sz="2000" i="1" dirty="0" smtClean="0"/>
               <a:t> </a:t>
@@ -3718,58 +3830,54 @@
               </a:rPr>
               <a:t>aspx</a:t>
             </a:r>
-            <a:endParaRPr lang="pt-BR" sz="2000" dirty="0" smtClean="0"/>
-          </a:p>
-          <a:p>
-            <a:r>
-              <a:rPr lang="pt-BR" sz="2000" dirty="0" smtClean="0">
+            <a:endParaRPr lang="pt-BR" sz="2000" i="1" dirty="0" smtClean="0"/>
+          </a:p>
+          <a:p>
+            <a:r>
+              <a:rPr lang="pt-BR" sz="2000" i="1" dirty="0" smtClean="0">
                 <a:hlinkClick r:id="rId3"/>
               </a:rPr>
-              <a:t>https://shiro.apache.org</a:t>
-            </a:r>
-            <a:r>
-              <a:rPr lang="pt-BR" sz="2000" dirty="0" smtClean="0">
-                <a:hlinkClick r:id="rId3"/>
-              </a:rPr>
-              <a:t>/</a:t>
-            </a:r>
-            <a:endParaRPr lang="pt-BR" sz="2000" dirty="0" smtClean="0"/>
-          </a:p>
-          <a:p>
-            <a:r>
-              <a:rPr lang="pt-BR" sz="2000" dirty="0" smtClean="0">
+              <a:t>https://shiro.apache.org/</a:t>
+            </a:r>
+            <a:endParaRPr lang="pt-BR" sz="2000" i="1" dirty="0" smtClean="0"/>
+          </a:p>
+          <a:p>
+            <a:r>
+              <a:rPr lang="pt-BR" sz="2000" i="1" dirty="0" smtClean="0">
                 <a:hlinkClick r:id="rId4"/>
               </a:rPr>
-              <a:t>https://pt.wikipedia.org/wiki/Extract,_transform,_</a:t>
-            </a:r>
-            <a:r>
-              <a:rPr lang="pt-BR" sz="2000" dirty="0" smtClean="0">
-                <a:hlinkClick r:id="rId4"/>
+              <a:t>https://pt.wikipedia.org/wiki/Extract,_transform,_load</a:t>
+            </a:r>
+            <a:endParaRPr lang="pt-BR" sz="2000" i="1" dirty="0" smtClean="0"/>
+          </a:p>
+          <a:p>
+            <a:r>
+              <a:rPr lang="pt-BR" sz="2000" i="1" dirty="0" smtClean="0">
+                <a:hlinkClick r:id="rId5"/>
               </a:rPr>
-              <a:t>load</a:t>
-            </a:r>
-            <a:endParaRPr lang="pt-BR" sz="2000" dirty="0" smtClean="0"/>
-          </a:p>
-          <a:p>
+              <a:t>https://help.sap.com/saphelp_nw70/helpdata/en/84/54953fc405330ee10000000a114084/content.htm</a:t>
+            </a:r>
+          </a:p>
+          <a:p>
+            <a:r>
+              <a:rPr lang="pt-BR" sz="2000" i="1" dirty="0" smtClean="0">
+                <a:hlinkClick r:id="rId5"/>
+              </a:rPr>
+              <a:t>https://en.wikipedia.org/wiki/BusinessObjects_Data_Integrator</a:t>
+            </a:r>
+          </a:p>
+          <a:p>
+            <a:r>
+              <a:rPr lang="pt-BR" sz="2000" i="1" dirty="0" smtClean="0">
+                <a:hlinkClick r:id="rId5"/>
+              </a:rPr>
+              <a:t>https://msdn.microsoft.com/pt-br/library/dd941696.aspx</a:t>
+            </a:r>
             <a:r>
               <a:rPr lang="pt-BR" sz="2000" dirty="0" smtClean="0">
                 <a:hlinkClick r:id="rId5"/>
               </a:rPr>
-              <a:t>https://</a:t>
-            </a:r>
-            <a:r>
-              <a:rPr lang="pt-BR" sz="2000" dirty="0" smtClean="0">
-                <a:hlinkClick r:id="rId5"/>
-              </a:rPr>
-              <a:t>help.sap.com/saphelp_nw70/helpdata/en/84/54953fc405330ee10000000a114084/content.htm</a:t>
-            </a:r>
-          </a:p>
-          <a:p>
-            <a:r>
-              <a:rPr lang="pt-BR" sz="2000" dirty="0" smtClean="0">
-                <a:hlinkClick r:id="rId5"/>
-              </a:rPr>
-              <a:t>https://en.wikipedia.org/wiki/BusinessObjects_Data_Integrator</a:t>
+              <a:t/>
             </a:r>
             <a:br>
               <a:rPr lang="pt-BR" sz="2000" dirty="0" smtClean="0">
@@ -3791,6 +3899,13 @@
   <p:clrMapOvr>
     <a:masterClrMapping/>
   </p:clrMapOvr>
+  <p:timing>
+    <p:tnLst>
+      <p:par>
+        <p:cTn id="1" dur="indefinite" restart="never" nodeType="tmRoot"/>
+      </p:par>
+    </p:tnLst>
+  </p:timing>
 </p:sld>
 </file>
 
@@ -3890,7 +4005,7 @@
             </a:r>
           </a:p>
           <a:p>
-            <a:pPr>
+            <a:pPr algn="just">
               <a:buNone/>
             </a:pPr>
             <a:r>
@@ -3912,6 +4027,13 @@
   <p:clrMapOvr>
     <a:masterClrMapping/>
   </p:clrMapOvr>
+  <p:timing>
+    <p:tnLst>
+      <p:par>
+        <p:cTn id="1" dur="indefinite" restart="never" nodeType="tmRoot"/>
+      </p:par>
+    </p:tnLst>
+  </p:timing>
 </p:sld>
 </file>
 
@@ -4276,18 +4398,7 @@
                           <a:ea typeface="+mn-ea"/>
                           <a:cs typeface="+mn-cs"/>
                         </a:rPr>
-                        <a:t> utilizado no servidor de </a:t>
-                      </a:r>
-                      <a:r>
-                        <a:rPr lang="pt-BR" sz="1800" b="0" i="0" kern="1200" baseline="0" smtClean="0">
-                          <a:solidFill>
-                            <a:schemeClr val="dk1"/>
-                          </a:solidFill>
-                          <a:latin typeface="+mn-lt"/>
-                          <a:ea typeface="+mn-ea"/>
-                          <a:cs typeface="+mn-cs"/>
-                        </a:rPr>
-                        <a:t>aplicação web.</a:t>
+                        <a:t> utilizado no servidor de aplicação web.</a:t>
                       </a:r>
                       <a:endParaRPr lang="pt-BR" sz="1800" b="0" i="0" kern="1200" dirty="0" smtClean="0">
                         <a:solidFill>
@@ -4299,6 +4410,7 @@
                       </a:endParaRPr>
                     </a:p>
                     <a:p>
+                      <a:pPr algn="just"/>
                       <a:r>
                         <a:rPr lang="pt-BR" sz="1800" b="0" i="0" kern="1200" dirty="0" smtClean="0">
                           <a:solidFill>
@@ -4407,7 +4519,7 @@
                           <a:ea typeface="+mn-ea"/>
                           <a:cs typeface="+mn-cs"/>
                         </a:rPr>
-                        <a:t>APIs</a:t>
+                        <a:t>API´</a:t>
                       </a:r>
                       <a:r>
                         <a:rPr lang="pt-BR" sz="1800" b="0" i="0" kern="1200" dirty="0" smtClean="0">
@@ -4418,7 +4530,7 @@
                           <a:ea typeface="+mn-ea"/>
                           <a:cs typeface="+mn-cs"/>
                         </a:rPr>
-                        <a:t> de criptografia, maior disponibilidade, dando-lhes poder e simplicidade, além do que o Java oferece por padrão. No gerenciamento de sessão, elas são utilizadas de forma facilitada em qualquer ambiente, mesmo fora da web ou em recipientes EJB. Também estão incluídas sessões de cluster em aplicações em grande escala.</a:t>
+                        <a:t>s de criptografia, maior disponibilidade, dando-lhes poder e simplicidade, além do que o Java oferece por padrão. No gerenciamento de sessão, elas são utilizadas de forma facilitada em qualquer ambiente, mesmo fora da web ou em recipientes EJB. Também estão incluídas sessões de cluster em aplicações em grande escala.</a:t>
                       </a:r>
                       <a:r>
                         <a:rPr lang="pt-BR" dirty="0" smtClean="0"/>
@@ -4452,6 +4564,13 @@
   <p:clrMapOvr>
     <a:masterClrMapping/>
   </p:clrMapOvr>
+  <p:timing>
+    <p:tnLst>
+      <p:par>
+        <p:cTn id="1" dur="indefinite" restart="never" nodeType="tmRoot"/>
+      </p:par>
+    </p:tnLst>
+  </p:timing>
 </p:sld>
 </file>
 
@@ -4767,6 +4886,7 @@
                       </a:r>
                     </a:p>
                     <a:p>
+                      <a:pPr algn="l"/>
                       <a:r>
                         <a:rPr lang="pt-BR" dirty="0" smtClean="0"/>
                         <a:t>A implementação</a:t>
@@ -4842,6 +4962,13 @@
   <p:clrMapOvr>
     <a:masterClrMapping/>
   </p:clrMapOvr>
+  <p:timing>
+    <p:tnLst>
+      <p:par>
+        <p:cTn id="1" dur="indefinite" restart="never" nodeType="tmRoot"/>
+      </p:par>
+    </p:tnLst>
+  </p:timing>
 </p:sld>
 </file>
 
@@ -4985,6 +5112,12 @@
                         <a:rPr lang="pt-BR" baseline="0" dirty="0" smtClean="0"/>
                         <a:t> de Implementação</a:t>
                       </a:r>
+                    </a:p>
+                    <a:p>
+                      <a:r>
+                        <a:rPr lang="pt-BR" baseline="0" dirty="0" smtClean="0"/>
+                        <a:t>(Opções)</a:t>
+                      </a:r>
                       <a:endParaRPr lang="pt-BR" dirty="0"/>
                     </a:p>
                   </a:txBody>
@@ -5133,27 +5266,8 @@
                           <a:ea typeface="+mn-ea"/>
                           <a:cs typeface="+mn-cs"/>
                         </a:rPr>
-                        <a:t> via (REST, JSON</a:t>
-                      </a:r>
-                      <a:r>
-                        <a:rPr lang="pt-BR" sz="1800" kern="1200" dirty="0" smtClean="0">
-                          <a:solidFill>
-                            <a:schemeClr val="dk1"/>
-                          </a:solidFill>
-                          <a:latin typeface="+mn-lt"/>
-                          <a:ea typeface="+mn-ea"/>
-                          <a:cs typeface="+mn-cs"/>
-                        </a:rPr>
-                        <a:t>);</a:t>
-                      </a:r>
-                      <a:endParaRPr lang="pt-BR" sz="1800" kern="1200" dirty="0" smtClean="0">
-                        <a:solidFill>
-                          <a:schemeClr val="dk1"/>
-                        </a:solidFill>
-                        <a:latin typeface="+mn-lt"/>
-                        <a:ea typeface="+mn-ea"/>
-                        <a:cs typeface="+mn-cs"/>
-                      </a:endParaRPr>
+                        <a:t> via (REST, JSON);</a:t>
+                      </a:r>
                     </a:p>
                   </a:txBody>
                   <a:tcPr/>
@@ -5294,7 +5408,7 @@
                           <a:ea typeface="+mn-ea"/>
                           <a:cs typeface="+mn-cs"/>
                         </a:rPr>
-                        <a:t>JDBC (Base Java) ;</a:t>
+                        <a:t>JDBC;</a:t>
                       </a:r>
                       <a:endParaRPr lang="pt-BR" dirty="0"/>
                     </a:p>
@@ -5365,6 +5479,13 @@
   <p:clrMapOvr>
     <a:masterClrMapping/>
   </p:clrMapOvr>
+  <p:timing>
+    <p:tnLst>
+      <p:par>
+        <p:cTn id="1" dur="indefinite" restart="never" nodeType="tmRoot"/>
+      </p:par>
+    </p:tnLst>
+  </p:timing>
 </p:sld>
 </file>
 
@@ -5425,12 +5546,14 @@
         </p:nvSpPr>
         <p:spPr>
           <a:xfrm>
-            <a:off x="457200" y="274638"/>
-            <a:ext cx="8229600" cy="796908"/>
+            <a:off x="428596" y="0"/>
+            <a:ext cx="8229600" cy="571504"/>
           </a:xfrm>
         </p:spPr>
         <p:txBody>
-          <a:bodyPr/>
+          <a:bodyPr>
+            <a:normAutofit fontScale="90000"/>
+          </a:bodyPr>
           <a:lstStyle/>
           <a:p>
             <a:r>
@@ -5452,8 +5575,8 @@
           </p:nvPr>
         </p:nvGraphicFramePr>
         <p:xfrm>
-          <a:off x="457200" y="1142983"/>
-          <a:ext cx="8229600" cy="5245333"/>
+          <a:off x="500034" y="785795"/>
+          <a:ext cx="8186766" cy="5715039"/>
         </p:xfrm>
         <a:graphic>
           <a:graphicData uri="http://schemas.openxmlformats.org/drawingml/2006/table">
@@ -5462,11 +5585,11 @@
                 <a:tableStyleId>{5C22544A-7EE6-4342-B048-85BDC9FD1C3A}</a:tableStyleId>
               </a:tblPr>
               <a:tblGrid>
-                <a:gridCol w="2471726"/>
-                <a:gridCol w="2143140"/>
-                <a:gridCol w="3614734"/>
+                <a:gridCol w="2458861"/>
+                <a:gridCol w="2131985"/>
+                <a:gridCol w="3595920"/>
               </a:tblGrid>
-              <a:tr h="676239">
+              <a:tr h="600079">
                 <a:tc>
                   <a:txBody>
                     <a:bodyPr/>
@@ -5508,13 +5631,19 @@
                         <a:rPr lang="pt-BR" baseline="0" dirty="0" smtClean="0"/>
                         <a:t> de Implementação</a:t>
                       </a:r>
+                    </a:p>
+                    <a:p>
+                      <a:r>
+                        <a:rPr lang="pt-BR" baseline="0" dirty="0" smtClean="0"/>
+                        <a:t>(Opções)</a:t>
+                      </a:r>
                       <a:endParaRPr lang="pt-BR" dirty="0"/>
                     </a:p>
                   </a:txBody>
                   <a:tcPr/>
                 </a:tc>
               </a:tr>
-              <a:tr h="714422">
+              <a:tr h="1114433">
                 <a:tc rowSpan="2">
                   <a:txBody>
                     <a:bodyPr/>
@@ -5613,13 +5742,41 @@
                         <a:rPr lang="pt-BR" dirty="0" smtClean="0"/>
                         <a:t>;</a:t>
                       </a:r>
+                    </a:p>
+                    <a:p>
+                      <a:r>
+                        <a:rPr lang="pt-BR" dirty="0" smtClean="0"/>
+                        <a:t>Visual</a:t>
+                      </a:r>
+                      <a:r>
+                        <a:rPr lang="pt-BR" baseline="0" dirty="0" smtClean="0"/>
+                        <a:t> Studio (base Microsoft);</a:t>
+                      </a:r>
+                    </a:p>
+                    <a:p>
+                      <a:r>
+                        <a:rPr lang="pt-BR" baseline="0" dirty="0" err="1" smtClean="0"/>
+                        <a:t>Zend</a:t>
+                      </a:r>
+                      <a:r>
+                        <a:rPr lang="pt-BR" baseline="0" dirty="0" smtClean="0"/>
+                        <a:t> </a:t>
+                      </a:r>
+                      <a:r>
+                        <a:rPr lang="pt-BR" baseline="0" dirty="0" err="1" smtClean="0"/>
+                        <a:t>FrameWork</a:t>
+                      </a:r>
+                      <a:r>
+                        <a:rPr lang="pt-BR" baseline="0" dirty="0" smtClean="0"/>
+                        <a:t> (PHP);</a:t>
+                      </a:r>
                       <a:endParaRPr lang="pt-BR" dirty="0"/>
                     </a:p>
                   </a:txBody>
                   <a:tcPr/>
                 </a:tc>
               </a:tr>
-              <a:tr h="1108070">
+              <a:tr h="771530">
                 <a:tc vMerge="1">
                   <a:txBody>
                     <a:bodyPr/>
@@ -5843,24 +6000,13 @@
                         </a:rPr>
                         <a:t>;</a:t>
                       </a:r>
-                      <a:endParaRPr lang="pt-BR" dirty="0" smtClean="0"/>
-                    </a:p>
-                    <a:p>
-                      <a:pPr>
-                        <a:lnSpc>
-                          <a:spcPct val="115000"/>
-                        </a:lnSpc>
-                        <a:spcAft>
-                          <a:spcPts val="600"/>
-                        </a:spcAft>
-                      </a:pPr>
                       <a:endParaRPr lang="pt-BR" dirty="0"/>
                     </a:p>
                   </a:txBody>
                   <a:tcPr marL="68580" marR="68580" marT="0" marB="0"/>
                 </a:tc>
               </a:tr>
-              <a:tr h="1742783">
+              <a:tr h="2400316">
                 <a:tc rowSpan="2">
                   <a:txBody>
                     <a:bodyPr/>
@@ -5868,11 +6014,7 @@
                     <a:p>
                       <a:r>
                         <a:rPr lang="pt-BR" dirty="0" smtClean="0"/>
-                        <a:t>Servidor de </a:t>
-                      </a:r>
-                      <a:r>
-                        <a:rPr lang="pt-BR" dirty="0" smtClean="0"/>
-                        <a:t>Aplicação Web</a:t>
+                        <a:t>Servidor de Aplicação Web</a:t>
                       </a:r>
                       <a:endParaRPr lang="pt-BR" dirty="0"/>
                     </a:p>
@@ -5982,40 +6124,7 @@
                           <a:ea typeface="+mn-ea"/>
                           <a:cs typeface="+mn-cs"/>
                         </a:rPr>
-                        <a:t> + </a:t>
-                      </a:r>
-                      <a:r>
-                        <a:rPr lang="pt-BR" sz="1800" kern="1200" dirty="0" smtClean="0">
-                          <a:solidFill>
-                            <a:schemeClr val="dk1"/>
-                          </a:solidFill>
-                          <a:latin typeface="+mn-lt"/>
-                          <a:ea typeface="+mn-ea"/>
-                          <a:cs typeface="+mn-cs"/>
-                        </a:rPr>
-                        <a:t>JAAS </a:t>
-                      </a:r>
-                      <a:r>
-                        <a:rPr lang="pt-BR" sz="1800" kern="1200" dirty="0" smtClean="0">
-                          <a:solidFill>
-                            <a:schemeClr val="dk1"/>
-                          </a:solidFill>
-                          <a:latin typeface="+mn-lt"/>
-                          <a:ea typeface="+mn-ea"/>
-                          <a:cs typeface="+mn-cs"/>
-                        </a:rPr>
-                        <a:t>Segurança </a:t>
-                      </a:r>
-                      <a:r>
-                        <a:rPr lang="pt-BR" sz="1800" kern="1200" dirty="0" smtClean="0">
-                          <a:solidFill>
-                            <a:schemeClr val="dk1"/>
-                          </a:solidFill>
-                          <a:latin typeface="+mn-lt"/>
-                          <a:ea typeface="+mn-ea"/>
-                          <a:cs typeface="+mn-cs"/>
-                        </a:rPr>
-                        <a:t>(Embutida);</a:t>
+                        <a:t> + JAAS Segurança (Embutida);</a:t>
                       </a:r>
                     </a:p>
                     <a:p>
@@ -6042,7 +6151,115 @@
                       </a:r>
                       <a:r>
                         <a:rPr lang="pt-PT" dirty="0" smtClean="0"/>
-                        <a:t>(SAP Web Application Server por vezes referido como WebAS).</a:t>
+                        <a:t>(SAP Web Application Server por vezes referido como WebAS);</a:t>
+                      </a:r>
+                    </a:p>
+                    <a:p>
+                      <a:pPr marL="0" marR="0" indent="0" algn="l" defTabSz="914400" rtl="0" eaLnBrk="1" fontAlgn="auto" latinLnBrk="0" hangingPunct="1">
+                        <a:lnSpc>
+                          <a:spcPct val="100000"/>
+                        </a:lnSpc>
+                        <a:spcBef>
+                          <a:spcPts val="0"/>
+                        </a:spcBef>
+                        <a:spcAft>
+                          <a:spcPts val="0"/>
+                        </a:spcAft>
+                        <a:buClrTx/>
+                        <a:buSzTx/>
+                        <a:buFontTx/>
+                        <a:buNone/>
+                        <a:tabLst/>
+                        <a:defRPr/>
+                      </a:pPr>
+                      <a:r>
+                        <a:rPr lang="pt-PT" dirty="0" smtClean="0"/>
+                        <a:t>Weblogic</a:t>
+                      </a:r>
+                      <a:r>
+                        <a:rPr lang="pt-PT" baseline="0" dirty="0" smtClean="0"/>
+                        <a:t> (Oracle);</a:t>
+                      </a:r>
+                    </a:p>
+                    <a:p>
+                      <a:pPr marL="0" marR="0" indent="0" algn="l" defTabSz="914400" rtl="0" eaLnBrk="1" fontAlgn="auto" latinLnBrk="0" hangingPunct="1">
+                        <a:lnSpc>
+                          <a:spcPct val="100000"/>
+                        </a:lnSpc>
+                        <a:spcBef>
+                          <a:spcPts val="0"/>
+                        </a:spcBef>
+                        <a:spcAft>
+                          <a:spcPts val="0"/>
+                        </a:spcAft>
+                        <a:buClrTx/>
+                        <a:buSzTx/>
+                        <a:buFontTx/>
+                        <a:buNone/>
+                        <a:tabLst/>
+                        <a:defRPr/>
+                      </a:pPr>
+                      <a:r>
+                        <a:rPr lang="pt-PT" baseline="0" dirty="0" smtClean="0"/>
+                        <a:t>WebSphere (IBM);</a:t>
+                      </a:r>
+                    </a:p>
+                    <a:p>
+                      <a:pPr marL="0" marR="0" indent="0" algn="l" defTabSz="914400" rtl="0" eaLnBrk="1" fontAlgn="auto" latinLnBrk="0" hangingPunct="1">
+                        <a:lnSpc>
+                          <a:spcPct val="100000"/>
+                        </a:lnSpc>
+                        <a:spcBef>
+                          <a:spcPts val="0"/>
+                        </a:spcBef>
+                        <a:spcAft>
+                          <a:spcPts val="0"/>
+                        </a:spcAft>
+                        <a:buClrTx/>
+                        <a:buSzTx/>
+                        <a:buFontTx/>
+                        <a:buNone/>
+                        <a:tabLst/>
+                        <a:defRPr/>
+                      </a:pPr>
+                      <a:r>
+                        <a:rPr lang="pt-PT" baseline="0" dirty="0" smtClean="0"/>
+                        <a:t>Zend </a:t>
+                      </a:r>
+                      <a:r>
+                        <a:rPr lang="pt-PT" baseline="0" dirty="0" smtClean="0"/>
+                        <a:t>Server;</a:t>
+                      </a:r>
+                      <a:endParaRPr lang="pt-PT" dirty="0" smtClean="0"/>
+                    </a:p>
+                    <a:p>
+                      <a:pPr marL="0" marR="0" indent="0" algn="l" defTabSz="914400" rtl="0" eaLnBrk="1" fontAlgn="auto" latinLnBrk="0" hangingPunct="1">
+                        <a:lnSpc>
+                          <a:spcPct val="100000"/>
+                        </a:lnSpc>
+                        <a:spcBef>
+                          <a:spcPts val="0"/>
+                        </a:spcBef>
+                        <a:spcAft>
+                          <a:spcPts val="0"/>
+                        </a:spcAft>
+                        <a:buClrTx/>
+                        <a:buSzTx/>
+                        <a:buFontTx/>
+                        <a:buNone/>
+                        <a:tabLst/>
+                        <a:defRPr/>
+                      </a:pPr>
+                      <a:r>
+                        <a:rPr lang="pt-PT" sz="1800" kern="1200" dirty="0" smtClean="0">
+                          <a:solidFill>
+                            <a:schemeClr val="dk1"/>
+                          </a:solidFill>
+                          <a:latin typeface="+mn-lt"/>
+                          <a:ea typeface="+mn-ea"/>
+                          <a:cs typeface="+mn-cs"/>
+                        </a:rPr>
+                        <a:t>IIS (base Microsoft);</a:t>
                       </a:r>
                       <a:endParaRPr lang="pt-BR" sz="1800" kern="1200" dirty="0" smtClean="0">
                         <a:solidFill>
@@ -6057,7 +6274,7 @@
                   <a:tcPr/>
                 </a:tc>
               </a:tr>
-              <a:tr h="493974">
+              <a:tr h="502959">
                 <a:tc vMerge="1">
                   <a:txBody>
                     <a:bodyPr/>
@@ -6100,55 +6317,6 @@
                   <a:tcPr/>
                 </a:tc>
               </a:tr>
-              <a:tr h="479487">
-                <a:tc>
-                  <a:txBody>
-                    <a:bodyPr/>
-                    <a:lstStyle/>
-                    <a:p>
-                      <a:endParaRPr lang="pt-BR" dirty="0"/>
-                    </a:p>
-                  </a:txBody>
-                  <a:tcPr/>
-                </a:tc>
-                <a:tc>
-                  <a:txBody>
-                    <a:bodyPr/>
-                    <a:lstStyle/>
-                    <a:p>
-                      <a:endParaRPr lang="pt-BR" dirty="0"/>
-                    </a:p>
-                  </a:txBody>
-                  <a:tcPr/>
-                </a:tc>
-                <a:tc>
-                  <a:txBody>
-                    <a:bodyPr/>
-                    <a:lstStyle/>
-                    <a:p>
-                      <a:pPr marL="0" marR="0" indent="0" algn="l" defTabSz="914400" rtl="0" eaLnBrk="1" fontAlgn="auto" latinLnBrk="0" hangingPunct="1">
-                        <a:lnSpc>
-                          <a:spcPct val="100000"/>
-                        </a:lnSpc>
-                        <a:spcBef>
-                          <a:spcPts val="0"/>
-                        </a:spcBef>
-                        <a:spcAft>
-                          <a:spcPts val="0"/>
-                        </a:spcAft>
-                        <a:buClrTx/>
-                        <a:buSzTx/>
-                        <a:buFontTx/>
-                        <a:buNone/>
-                        <a:tabLst/>
-                        <a:defRPr/>
-                      </a:pPr>
-                      <a:endParaRPr lang="pt-BR" dirty="0"/>
-                    </a:p>
-                  </a:txBody>
-                  <a:tcPr/>
-                </a:tc>
-              </a:tr>
             </a:tbl>
           </a:graphicData>
         </a:graphic>
@@ -6158,6 +6326,13 @@
   <p:clrMapOvr>
     <a:masterClrMapping/>
   </p:clrMapOvr>
+  <p:timing>
+    <p:tnLst>
+      <p:par>
+        <p:cTn id="1" dur="indefinite" restart="never" nodeType="tmRoot"/>
+      </p:par>
+    </p:tnLst>
+  </p:timing>
 </p:sld>
 </file>
 
@@ -6252,7 +6427,7 @@
         </p:spPr>
         <p:txBody>
           <a:bodyPr>
-            <a:normAutofit fontScale="92500" lnSpcReduction="10000"/>
+            <a:normAutofit/>
           </a:bodyPr>
           <a:lstStyle/>
           <a:p>
@@ -6268,16 +6443,12 @@
               <a:rPr lang="pt-BR" sz="2000" dirty="0" smtClean="0"/>
               <a:t> ou ETL (extração de dados). </a:t>
             </a:r>
-            <a:endParaRPr lang="pt-BR" sz="2000" dirty="0" smtClean="0"/>
-          </a:p>
-          <a:p>
+          </a:p>
+          <a:p>
+            <a:pPr algn="just"/>
             <a:r>
               <a:rPr lang="pt-BR" sz="2000" dirty="0" smtClean="0"/>
-              <a:t>A </a:t>
-            </a:r>
-            <a:r>
-              <a:rPr lang="pt-BR" sz="2000" dirty="0" smtClean="0"/>
-              <a:t>implementação via Web </a:t>
+              <a:t>A implementação via Web </a:t>
             </a:r>
             <a:r>
               <a:rPr lang="pt-BR" sz="2000" dirty="0" err="1" smtClean="0"/>
@@ -6285,15 +6456,7 @@
             </a:r>
             <a:r>
               <a:rPr lang="pt-BR" sz="2000" dirty="0" smtClean="0"/>
-              <a:t> é a forma mais conhecida, pois utilizamos dos serviços já disponíveis pelos </a:t>
-            </a:r>
-            <a:r>
-              <a:rPr lang="pt-BR" sz="2000" dirty="0" smtClean="0"/>
-              <a:t>Sistemas. </a:t>
-            </a:r>
-            <a:r>
-              <a:rPr lang="pt-BR" sz="2000" dirty="0" smtClean="0"/>
-              <a:t>Utilizamos os Web </a:t>
+              <a:t> é a forma mais conhecida, pois podemos utilizar dos serviços já disponíveis pelos Sistemas. Um dos principais objetivos dos Web </a:t>
             </a:r>
             <a:r>
               <a:rPr lang="pt-BR" sz="2000" dirty="0" err="1" smtClean="0"/>
@@ -6301,6 +6464,23 @@
             </a:r>
             <a:r>
               <a:rPr lang="pt-BR" sz="2000" dirty="0" smtClean="0"/>
+              <a:t> é fazer a comunicação entre sistemas heterogêneos de maneira distribuída.</a:t>
+            </a:r>
+          </a:p>
+          <a:p>
+            <a:pPr algn="just">
+              <a:buNone/>
+            </a:pPr>
+            <a:r>
+              <a:rPr lang="pt-BR" sz="2000" dirty="0" smtClean="0"/>
+              <a:t>      Utilizamos os Web </a:t>
+            </a:r>
+            <a:r>
+              <a:rPr lang="pt-BR" sz="2000" dirty="0" err="1" smtClean="0"/>
+              <a:t>Services</a:t>
+            </a:r>
+            <a:r>
+              <a:rPr lang="pt-BR" sz="2000" dirty="0" smtClean="0"/>
               <a:t> como ponte, transporte das informações dos sistemas de origem, trafegamos as informações pelos web </a:t>
             </a:r>
             <a:r>
@@ -6309,70 +6489,20 @@
             </a:r>
             <a:r>
               <a:rPr lang="pt-BR" sz="2000" dirty="0" smtClean="0"/>
-              <a:t> e disponibilizamos para os componentes/serviços do sistema fim, não precisamos conhecer as regras de negócios dos sistemas envolvidos (origem e fim), preocupamos em escolher o método correto encarregado de executar as ações (Pesquisa, Gravação, Deleção, Alteração) das informações. O próprio sistema de posse dos parâmetros repassados aos métodos (DCOM ou </a:t>
-            </a:r>
-            <a:r>
-              <a:rPr lang="pt-BR" sz="2000" dirty="0" err="1" smtClean="0"/>
-              <a:t>Bean</a:t>
+              <a:t> e disponibilizamos para os componentes/serviços do sistema fim, não precisamos conhecer as regras de negócios dos sistemas envolvidos (origem e fim), preocupamos em escolher o método correto encarregado de executar as ações (Pesquisa, Gravação, Deleção, Alteração) das informações. O próprio sistema de posse dos parâmetros repassados aos métodos </a:t>
             </a:r>
             <a:r>
               <a:rPr lang="pt-BR" sz="2000" dirty="0" smtClean="0"/>
-              <a:t>) executa ação especifica </a:t>
+              <a:t>e</a:t>
             </a:r>
             <a:r>
               <a:rPr lang="pt-BR" sz="2000" dirty="0" smtClean="0"/>
-              <a:t>no </a:t>
+              <a:t>xecuta </a:t>
             </a:r>
             <a:r>
               <a:rPr lang="pt-BR" sz="2000" dirty="0" smtClean="0"/>
-              <a:t>sistema.  </a:t>
-            </a:r>
-            <a:endParaRPr lang="pt-BR" sz="2000" dirty="0" smtClean="0"/>
-          </a:p>
-          <a:p>
-            <a:r>
-              <a:rPr lang="pt-BR" sz="2000" dirty="0" smtClean="0"/>
-              <a:t>O </a:t>
-            </a:r>
-            <a:r>
-              <a:rPr lang="pt-BR" sz="2000" dirty="0" smtClean="0"/>
-              <a:t>ETL também pode ser utilizado para integração, caso o sistema que irá receber as informações (sistema fim) possua repositório temporário via TXTS e/ou tabelas temporárias ou auxiliares.  Caso o sistema fim </a:t>
-            </a:r>
-            <a:r>
-              <a:rPr lang="pt-BR" sz="2000" dirty="0" smtClean="0"/>
-              <a:t>NÃO </a:t>
-            </a:r>
-            <a:r>
-              <a:rPr lang="pt-BR" sz="2000" dirty="0" smtClean="0"/>
-              <a:t>possua controle de gravação em sua base de dados, também podemos utilizar do ETL para gravação na base de dados oficial. </a:t>
-            </a:r>
-            <a:endParaRPr lang="pt-BR" sz="2000" dirty="0" smtClean="0"/>
-          </a:p>
-          <a:p>
-            <a:pPr>
-              <a:buNone/>
-            </a:pPr>
-            <a:r>
-              <a:rPr lang="pt-BR" sz="2000" dirty="0" smtClean="0"/>
-              <a:t>      Ambas tecnologias podem ser </a:t>
-            </a:r>
-            <a:r>
-              <a:rPr lang="pt-BR" sz="2000" dirty="0" err="1" smtClean="0"/>
-              <a:t>startadas</a:t>
-            </a:r>
-            <a:r>
-              <a:rPr lang="pt-BR" sz="2000" dirty="0" smtClean="0"/>
-              <a:t> </a:t>
-            </a:r>
-            <a:r>
-              <a:rPr lang="pt-BR" sz="2000" dirty="0" err="1" smtClean="0"/>
-              <a:t>OnLine</a:t>
-            </a:r>
-            <a:r>
-              <a:rPr lang="pt-BR" sz="2000" dirty="0" smtClean="0"/>
-              <a:t> e automatizadas por completo.</a:t>
-            </a:r>
-            <a:endParaRPr lang="pt-BR" sz="2000" dirty="0"/>
+              <a:t>ação especifica no sistema.  </a:t>
+            </a:r>
           </a:p>
         </p:txBody>
       </p:sp>
@@ -6381,6 +6511,13 @@
   <p:clrMapOvr>
     <a:masterClrMapping/>
   </p:clrMapOvr>
+  <p:timing>
+    <p:tnLst>
+      <p:par>
+        <p:cTn id="1" dur="indefinite" restart="never" nodeType="tmRoot"/>
+      </p:par>
+    </p:tnLst>
+  </p:timing>
 </p:sld>
 </file>
 
@@ -6469,8 +6606,8 @@
         </p:nvSpPr>
         <p:spPr>
           <a:xfrm>
-            <a:off x="285720" y="1357298"/>
-            <a:ext cx="8572560" cy="4768865"/>
+            <a:off x="285720" y="1071546"/>
+            <a:ext cx="8572560" cy="5500726"/>
           </a:xfrm>
         </p:spPr>
         <p:txBody>
@@ -6479,12 +6616,38 @@
           </a:bodyPr>
           <a:lstStyle/>
           <a:p>
+            <a:pPr algn="just"/>
+            <a:r>
+              <a:rPr lang="pt-BR" sz="2000" dirty="0" smtClean="0"/>
+              <a:t>O ETL também pode ser utilizado para integração, caso o sistema que irá receber as informações (sistema fim) possua repositório temporário via TXTS e/ou tabelas temporárias ou auxiliares.  Caso o sistema fim NÃO possua controle de gravação em sua base de dados, também podemos utilizar do ETL para gravação na base de dados oficial. </a:t>
+            </a:r>
+          </a:p>
+          <a:p>
+            <a:pPr algn="just">
+              <a:buNone/>
+            </a:pPr>
+            <a:r>
+              <a:rPr lang="pt-BR" sz="2000" dirty="0" smtClean="0"/>
+              <a:t>      Ambas tecnologias podem ser </a:t>
+            </a:r>
+            <a:r>
+              <a:rPr lang="pt-BR" sz="2000" dirty="0" err="1" smtClean="0"/>
+              <a:t>startadas</a:t>
+            </a:r>
+            <a:r>
+              <a:rPr lang="pt-BR" sz="2000" dirty="0" smtClean="0"/>
+              <a:t> Online e automatizadas por completo.</a:t>
+            </a:r>
+          </a:p>
+          <a:p>
+            <a:pPr algn="just"/>
             <a:r>
               <a:rPr lang="pt-BR" sz="2000" dirty="0" smtClean="0"/>
               <a:t>A opção entre as duas plataformas depende muito do contexto como um todo. Tempo para desenvolvimento, custo, ferramentas disponíveis para implementação, benefícios.  </a:t>
             </a:r>
           </a:p>
           <a:p>
+            <a:pPr algn="just"/>
             <a:r>
               <a:rPr lang="pt-BR" sz="2000" dirty="0" smtClean="0"/>
               <a:t>A implementação via Web </a:t>
@@ -6495,25 +6658,16 @@
             </a:r>
             <a:r>
               <a:rPr lang="pt-BR" sz="2000" dirty="0" smtClean="0"/>
-              <a:t> é mais demorada, pois precisamos de outros dispositivos para solução como um </a:t>
-            </a:r>
-            <a:r>
-              <a:rPr lang="pt-BR" sz="2000" dirty="0" smtClean="0"/>
-              <a:t>todo.</a:t>
-            </a:r>
-            <a:endParaRPr lang="pt-BR" sz="2000" dirty="0" smtClean="0"/>
-          </a:p>
-          <a:p>
-            <a:pPr>
+              <a:t> é mais demorada, pois precisamos de outros dispositivos para solução como um todo .</a:t>
+            </a:r>
+          </a:p>
+          <a:p>
+            <a:pPr algn="just">
               <a:buNone/>
             </a:pPr>
             <a:r>
               <a:rPr lang="pt-BR" sz="2000" dirty="0" smtClean="0"/>
-              <a:t>      Caso </a:t>
-            </a:r>
-            <a:r>
-              <a:rPr lang="pt-BR" sz="2000" dirty="0" smtClean="0"/>
-              <a:t>a opção seja pelo Web </a:t>
+              <a:t>      Caso a opção seja pelo Web </a:t>
             </a:r>
             <a:r>
               <a:rPr lang="pt-BR" sz="2000" dirty="0" err="1" smtClean="0"/>
@@ -6521,7 +6675,7 @@
             </a:r>
             <a:r>
               <a:rPr lang="pt-BR" sz="2000" dirty="0" smtClean="0"/>
-              <a:t>, seria utilizado protocolo SOAP/XML pela padronização do WSDL, utilizaria classe de comunicação JDBC, IDE Eclipse pela opção de inclusão de API de componentes e </a:t>
+              <a:t>, seria utilizado protocolo SOAP/XML pela padronização do WSDL, desenvolvimento em Java, utilizaria classe de comunicação JDBC, IDE Eclipse pela opção de inclusão de API de componentes e </a:t>
             </a:r>
             <a:r>
               <a:rPr lang="pt-BR" sz="2000" dirty="0" smtClean="0">
@@ -6581,39 +6735,7 @@
             </a:r>
             <a:r>
               <a:rPr lang="pt-BR" sz="2000" dirty="0" smtClean="0"/>
-              <a:t>.</a:t>
-            </a:r>
-            <a:endParaRPr lang="pt-BR" sz="2000" dirty="0" smtClean="0"/>
-          </a:p>
-          <a:p>
-            <a:r>
-              <a:rPr lang="pt-BR" sz="2000" dirty="0" smtClean="0"/>
-              <a:t>A opção por ETL seria mais simples caso tivesse opção de realizar importação dos dados da base de origem um vez por dia (Data Atual + 1) para disponibilização em arquivo texto por exemplo.</a:t>
-            </a:r>
-          </a:p>
-          <a:p>
-            <a:pPr>
-              <a:buNone/>
-            </a:pPr>
-            <a:r>
-              <a:rPr lang="pt-BR" sz="2000" dirty="0" smtClean="0"/>
-              <a:t>      Caso a empresa já utilize produtos Microsoft, o uso do SSIS seria disponibilizado sem custo através Visual Studio. Ainda teríamos o </a:t>
-            </a:r>
-            <a:r>
-              <a:rPr lang="pt-BR" sz="2000" dirty="0" err="1" smtClean="0"/>
-              <a:t>Talend</a:t>
-            </a:r>
-            <a:r>
-              <a:rPr lang="pt-BR" sz="2000" dirty="0" smtClean="0"/>
-              <a:t> ferramenta </a:t>
-            </a:r>
-            <a:r>
-              <a:rPr lang="pt-BR" sz="2000" dirty="0" err="1" smtClean="0"/>
-              <a:t>Free</a:t>
-            </a:r>
-            <a:r>
-              <a:rPr lang="pt-BR" sz="2000" dirty="0" smtClean="0"/>
-              <a:t>.</a:t>
+              <a:t>. </a:t>
             </a:r>
           </a:p>
           <a:p>
@@ -6629,6 +6751,13 @@
   <p:clrMapOvr>
     <a:masterClrMapping/>
   </p:clrMapOvr>
+  <p:timing>
+    <p:tnLst>
+      <p:par>
+        <p:cTn id="1" dur="indefinite" restart="never" nodeType="tmRoot"/>
+      </p:par>
+    </p:tnLst>
+  </p:timing>
 </p:sld>
 </file>
 
@@ -6718,42 +6847,63 @@
         <p:spPr>
           <a:xfrm>
             <a:off x="285720" y="1357298"/>
-            <a:ext cx="8572560" cy="4768865"/>
+            <a:ext cx="8572560" cy="5143536"/>
           </a:xfrm>
         </p:spPr>
         <p:txBody>
           <a:bodyPr>
-            <a:normAutofit/>
+            <a:normAutofit fontScale="92500" lnSpcReduction="10000"/>
           </a:bodyPr>
           <a:lstStyle/>
           <a:p>
+            <a:pPr algn="just"/>
             <a:r>
               <a:rPr lang="pt-BR" sz="2000" dirty="0" smtClean="0"/>
-              <a:t>Com relação a integração com SAP, devemos pontuar que a aplicação possui caracter</a:t>
-            </a:r>
+              <a:t>A opção por ETL seria mais simples caso tivesse opção de escalonar importação dos dados da base de origem um vez por dia (Data anterior + 1) (sem intervenção humana) para disponibilização em arquivo texto por exemplo.</a:t>
+            </a:r>
+          </a:p>
+          <a:p>
+            <a:pPr algn="just">
+              <a:buNone/>
+            </a:pPr>
             <a:r>
               <a:rPr lang="pt-BR" sz="2000" dirty="0" smtClean="0"/>
-              <a:t>í</a:t>
+              <a:t>      Caso a empresa já utilize produtos Microsoft, o uso do SSIS seria disponibilizado sem custo através Visual Studio. Ainda teríamos outra opção pelo </a:t>
+            </a:r>
+            <a:r>
+              <a:rPr lang="pt-BR" sz="2000" dirty="0" err="1" smtClean="0"/>
+              <a:t>Talend</a:t>
             </a:r>
             <a:r>
               <a:rPr lang="pt-BR" sz="2000" dirty="0" smtClean="0"/>
-              <a:t>sticas muito especificas.  Como a utilização do integrador </a:t>
+              <a:t> ferramenta </a:t>
+            </a:r>
+            <a:r>
+              <a:rPr lang="pt-BR" sz="2000" dirty="0" err="1" smtClean="0"/>
+              <a:t>Free</a:t>
+            </a:r>
+            <a:r>
+              <a:rPr lang="pt-BR" sz="2000" dirty="0" smtClean="0"/>
+              <a:t> e outras opções.</a:t>
+            </a:r>
+          </a:p>
+          <a:p>
+            <a:pPr algn="just"/>
+            <a:endParaRPr lang="pt-BR" sz="2000" dirty="0" smtClean="0"/>
+          </a:p>
+          <a:p>
+            <a:pPr algn="just"/>
+            <a:r>
+              <a:rPr lang="pt-BR" sz="2000" dirty="0" smtClean="0"/>
+              <a:t>Com relação a integração com SAP, devemos pontuar que a aplicação possui características muito especificas.  Como a utilização do integrador </a:t>
             </a:r>
             <a:r>
               <a:rPr lang="pt-PT" sz="2000" dirty="0" smtClean="0"/>
-              <a:t>SAP </a:t>
-            </a:r>
-            <a:r>
-              <a:rPr lang="pt-PT" sz="2000" dirty="0" smtClean="0"/>
-              <a:t>NetWeaver (SAP Web Application </a:t>
-            </a:r>
-            <a:r>
-              <a:rPr lang="pt-PT" sz="2000" dirty="0" smtClean="0"/>
-              <a:t>Server) como opção de utilizar Web Services para integração.</a:t>
-            </a:r>
-          </a:p>
-          <a:p>
-            <a:pPr>
+              <a:t>SAP NetWeaver (SAP Web Application Server) como opção de utilizar Web Services para integração.</a:t>
+            </a:r>
+          </a:p>
+          <a:p>
+            <a:pPr algn="just">
               <a:buNone/>
             </a:pPr>
             <a:r>
@@ -6789,6 +6939,7 @@
             <a:endParaRPr lang="pt-BR" sz="2000" dirty="0" smtClean="0"/>
           </a:p>
           <a:p>
+            <a:pPr algn="just"/>
             <a:r>
               <a:rPr lang="pt-PT" sz="2000" dirty="0" smtClean="0"/>
               <a:t>O SAP possui seu próprio integrador ETL (</a:t>
@@ -6847,21 +6998,8 @@
                   <a:schemeClr val="dk1"/>
                 </a:solidFill>
               </a:rPr>
-              <a:t>, não sendo a melhor opção para integração entre ERP Folha e </a:t>
-            </a:r>
-            <a:r>
-              <a:rPr lang="pt-BR" sz="2000" dirty="0" smtClean="0">
-                <a:solidFill>
-                  <a:schemeClr val="dk1"/>
-                </a:solidFill>
-              </a:rPr>
-              <a:t>SAP neste caso.</a:t>
-            </a:r>
-            <a:endParaRPr lang="pt-BR" sz="2000" dirty="0" smtClean="0">
-              <a:solidFill>
-                <a:schemeClr val="dk1"/>
-              </a:solidFill>
-            </a:endParaRPr>
+              <a:t>, não sendo a melhor opção para integração entre ERP Folha e SAP.</a:t>
+            </a:r>
           </a:p>
           <a:p>
             <a:pPr>
@@ -6885,6 +7023,13 @@
   <p:clrMapOvr>
     <a:masterClrMapping/>
   </p:clrMapOvr>
+  <p:timing>
+    <p:tnLst>
+      <p:par>
+        <p:cTn id="1" dur="indefinite" restart="never" nodeType="tmRoot"/>
+      </p:par>
+    </p:tnLst>
+  </p:timing>
 </p:sld>
 </file>
 
